--- a/EDA_after_mergingcells_ppt.pptx
+++ b/EDA_after_mergingcells_ppt.pptx
@@ -248,7 +248,7 @@
           <a:p>
             <a:fld id="{6FDD5A2C-3BBD-4F0C-ACB4-206C86EC1456}" type="datetimeFigureOut">
               <a:rPr lang="en-US" smtClean="0"/>
-              <a:t>1/4/2020</a:t>
+              <a:t>1/16/2020</a:t>
             </a:fld>
             <a:endParaRPr lang="en-US"/>
           </a:p>
@@ -418,7 +418,7 @@
           <a:p>
             <a:fld id="{6FDD5A2C-3BBD-4F0C-ACB4-206C86EC1456}" type="datetimeFigureOut">
               <a:rPr lang="en-US" smtClean="0"/>
-              <a:t>1/4/2020</a:t>
+              <a:t>1/16/2020</a:t>
             </a:fld>
             <a:endParaRPr lang="en-US"/>
           </a:p>
@@ -598,7 +598,7 @@
           <a:p>
             <a:fld id="{6FDD5A2C-3BBD-4F0C-ACB4-206C86EC1456}" type="datetimeFigureOut">
               <a:rPr lang="en-US" smtClean="0"/>
-              <a:t>1/4/2020</a:t>
+              <a:t>1/16/2020</a:t>
             </a:fld>
             <a:endParaRPr lang="en-US"/>
           </a:p>
@@ -768,7 +768,7 @@
           <a:p>
             <a:fld id="{6FDD5A2C-3BBD-4F0C-ACB4-206C86EC1456}" type="datetimeFigureOut">
               <a:rPr lang="en-US" smtClean="0"/>
-              <a:t>1/4/2020</a:t>
+              <a:t>1/16/2020</a:t>
             </a:fld>
             <a:endParaRPr lang="en-US"/>
           </a:p>
@@ -1014,7 +1014,7 @@
           <a:p>
             <a:fld id="{6FDD5A2C-3BBD-4F0C-ACB4-206C86EC1456}" type="datetimeFigureOut">
               <a:rPr lang="en-US" smtClean="0"/>
-              <a:t>1/4/2020</a:t>
+              <a:t>1/16/2020</a:t>
             </a:fld>
             <a:endParaRPr lang="en-US"/>
           </a:p>
@@ -1246,7 +1246,7 @@
           <a:p>
             <a:fld id="{6FDD5A2C-3BBD-4F0C-ACB4-206C86EC1456}" type="datetimeFigureOut">
               <a:rPr lang="en-US" smtClean="0"/>
-              <a:t>1/4/2020</a:t>
+              <a:t>1/16/2020</a:t>
             </a:fld>
             <a:endParaRPr lang="en-US"/>
           </a:p>
@@ -1613,7 +1613,7 @@
           <a:p>
             <a:fld id="{6FDD5A2C-3BBD-4F0C-ACB4-206C86EC1456}" type="datetimeFigureOut">
               <a:rPr lang="en-US" smtClean="0"/>
-              <a:t>1/4/2020</a:t>
+              <a:t>1/16/2020</a:t>
             </a:fld>
             <a:endParaRPr lang="en-US"/>
           </a:p>
@@ -1731,7 +1731,7 @@
           <a:p>
             <a:fld id="{6FDD5A2C-3BBD-4F0C-ACB4-206C86EC1456}" type="datetimeFigureOut">
               <a:rPr lang="en-US" smtClean="0"/>
-              <a:t>1/4/2020</a:t>
+              <a:t>1/16/2020</a:t>
             </a:fld>
             <a:endParaRPr lang="en-US"/>
           </a:p>
@@ -1826,7 +1826,7 @@
           <a:p>
             <a:fld id="{6FDD5A2C-3BBD-4F0C-ACB4-206C86EC1456}" type="datetimeFigureOut">
               <a:rPr lang="en-US" smtClean="0"/>
-              <a:t>1/4/2020</a:t>
+              <a:t>1/16/2020</a:t>
             </a:fld>
             <a:endParaRPr lang="en-US"/>
           </a:p>
@@ -2103,7 +2103,7 @@
           <a:p>
             <a:fld id="{6FDD5A2C-3BBD-4F0C-ACB4-206C86EC1456}" type="datetimeFigureOut">
               <a:rPr lang="en-US" smtClean="0"/>
-              <a:t>1/4/2020</a:t>
+              <a:t>1/16/2020</a:t>
             </a:fld>
             <a:endParaRPr lang="en-US"/>
           </a:p>
@@ -2356,7 +2356,7 @@
           <a:p>
             <a:fld id="{6FDD5A2C-3BBD-4F0C-ACB4-206C86EC1456}" type="datetimeFigureOut">
               <a:rPr lang="en-US" smtClean="0"/>
-              <a:t>1/4/2020</a:t>
+              <a:t>1/16/2020</a:t>
             </a:fld>
             <a:endParaRPr lang="en-US"/>
           </a:p>
@@ -2569,7 +2569,7 @@
           <a:p>
             <a:fld id="{6FDD5A2C-3BBD-4F0C-ACB4-206C86EC1456}" type="datetimeFigureOut">
               <a:rPr lang="en-US" smtClean="0"/>
-              <a:t>1/4/2020</a:t>
+              <a:t>1/16/2020</a:t>
             </a:fld>
             <a:endParaRPr lang="en-US"/>
           </a:p>
@@ -3334,6 +3334,111 @@
           <a:chExt cx="0" cy="0"/>
         </a:xfrm>
       </p:grpSpPr>
+      <p:pic>
+        <p:nvPicPr>
+          <p:cNvPr id="2" name="Picture 1"/>
+          <p:cNvPicPr>
+            <a:picLocks noChangeAspect="1"/>
+          </p:cNvPicPr>
+          <p:nvPr/>
+        </p:nvPicPr>
+        <p:blipFill rotWithShape="1">
+          <a:blip r:embed="rId2"/>
+          <a:srcRect l="26689" t="62270" r="57162" b="15892"/>
+          <a:stretch/>
+        </p:blipFill>
+        <p:spPr>
+          <a:xfrm>
+            <a:off x="2436822" y="987928"/>
+            <a:ext cx="5906658" cy="2496083"/>
+          </a:xfrm>
+          <a:prstGeom prst="rect">
+            <a:avLst/>
+          </a:prstGeom>
+        </p:spPr>
+      </p:pic>
+      <p:sp>
+        <p:nvSpPr>
+          <p:cNvPr id="3" name="TextBox 2"/>
+          <p:cNvSpPr txBox="1"/>
+          <p:nvPr/>
+        </p:nvSpPr>
+        <p:spPr>
+          <a:xfrm>
+            <a:off x="1825960" y="162584"/>
+            <a:ext cx="8609601" cy="584775"/>
+          </a:xfrm>
+          <a:prstGeom prst="rect">
+            <a:avLst/>
+          </a:prstGeom>
+          <a:noFill/>
+        </p:spPr>
+        <p:txBody>
+          <a:bodyPr wrap="none" rtlCol="0">
+            <a:spAutoFit/>
+          </a:bodyPr>
+          <a:lstStyle/>
+          <a:p>
+            <a:pPr algn="ctr"/>
+            <a:r>
+              <a:rPr lang="en-US" sz="3200" dirty="0" smtClean="0"/>
+              <a:t>Prediction for untimely response for the complaint</a:t>
+            </a:r>
+            <a:endParaRPr lang="en-US" sz="3200" dirty="0"/>
+          </a:p>
+        </p:txBody>
+      </p:sp>
+      <p:sp>
+        <p:nvSpPr>
+          <p:cNvPr id="4" name="TextBox 3"/>
+          <p:cNvSpPr txBox="1"/>
+          <p:nvPr/>
+        </p:nvSpPr>
+        <p:spPr>
+          <a:xfrm>
+            <a:off x="3530945" y="4192621"/>
+            <a:ext cx="5488169" cy="923330"/>
+          </a:xfrm>
+          <a:prstGeom prst="rect">
+            <a:avLst/>
+          </a:prstGeom>
+          <a:noFill/>
+        </p:spPr>
+        <p:txBody>
+          <a:bodyPr wrap="none" rtlCol="0">
+            <a:spAutoFit/>
+          </a:bodyPr>
+          <a:lstStyle/>
+          <a:p>
+            <a:pPr marL="285750" indent="-285750">
+              <a:buFont typeface="Arial" panose="020B0604020202020204" pitchFamily="34" charset="0"/>
+              <a:buChar char="•"/>
+            </a:pPr>
+            <a:r>
+              <a:rPr lang="en-US" dirty="0" smtClean="0"/>
+              <a:t>Largely dependent on the company</a:t>
+            </a:r>
+          </a:p>
+          <a:p>
+            <a:pPr marL="285750" indent="-285750">
+              <a:buFont typeface="Arial" panose="020B0604020202020204" pitchFamily="34" charset="0"/>
+              <a:buChar char="•"/>
+            </a:pPr>
+            <a:endParaRPr lang="en-US" dirty="0"/>
+          </a:p>
+          <a:p>
+            <a:pPr marL="285750" indent="-285750">
+              <a:buFont typeface="Arial" panose="020B0604020202020204" pitchFamily="34" charset="0"/>
+              <a:buChar char="•"/>
+            </a:pPr>
+            <a:r>
+              <a:rPr lang="en-US" dirty="0" smtClean="0"/>
+              <a:t>Next most important factor is the product in question</a:t>
+            </a:r>
+            <a:endParaRPr lang="en-US" dirty="0"/>
+          </a:p>
+        </p:txBody>
+      </p:sp>
     </p:spTree>
     <p:extLst>
       <p:ext uri="{BB962C8B-B14F-4D97-AF65-F5344CB8AC3E}">
